--- a/GraphFrames.pptx
+++ b/GraphFrames.pptx
@@ -3495,7 +3495,7 @@
           <a:graphicData uri="http://schemas.openxmlformats.org/presentationml/2006/ole">
             <mc:AlternateContent xmlns:mc="http://schemas.openxmlformats.org/markup-compatibility/2006">
               <mc:Choice xmlns:v="urn:schemas-microsoft-com:vml" Requires="v">
-                <p:oleObj spid="_x0000_s28260" r:id="rId3" imgW="7271927" imgH="3492719" progId="Excel.Chart.8">
+                <p:oleObj spid="_x0000_s28261" r:id="rId3" imgW="7271927" imgH="3492719" progId="Excel.Chart.8">
                   <p:embed/>
                 </p:oleObj>
               </mc:Choice>
@@ -11760,7 +11760,7 @@
         <p:spPr/>
         <p:txBody>
           <a:bodyPr>
-            <a:normAutofit/>
+            <a:normAutofit fontScale="92500" lnSpcReduction="20000"/>
           </a:bodyPr>
           <a:lstStyle/>
           <a:p>
@@ -11811,8 +11811,86 @@
               <a:buNone/>
             </a:pPr>
             <a:r>
-              <a:rPr lang="en-US" sz="4400" dirty="0" err="1"/>
+              <a:rPr lang="en-US" sz="4400" dirty="0" err="1" smtClean="0"/>
               <a:t>GraphFrames.pptx</a:t>
+            </a:r>
+            <a:endParaRPr lang="en-US" sz="4400" dirty="0" smtClean="0"/>
+          </a:p>
+          <a:p>
+            <a:pPr marL="0" indent="0" defTabSz="914400" fontAlgn="auto">
+              <a:spcBef>
+                <a:spcPts val="0"/>
+              </a:spcBef>
+              <a:spcAft>
+                <a:spcPts val="0"/>
+              </a:spcAft>
+              <a:buSzTx/>
+              <a:buNone/>
+            </a:pPr>
+            <a:endParaRPr lang="en-US" sz="4400" dirty="0"/>
+          </a:p>
+          <a:p>
+            <a:pPr marL="0" indent="0" defTabSz="914400" fontAlgn="auto">
+              <a:spcBef>
+                <a:spcPts val="0"/>
+              </a:spcBef>
+              <a:spcAft>
+                <a:spcPts val="0"/>
+              </a:spcAft>
+              <a:buSzTx/>
+              <a:buNone/>
+            </a:pPr>
+            <a:r>
+              <a:rPr lang="en-US" sz="4400" dirty="0" smtClean="0"/>
+              <a:t>Docs:</a:t>
+            </a:r>
+          </a:p>
+          <a:p>
+            <a:pPr marL="0" indent="0" defTabSz="914400" fontAlgn="auto">
+              <a:spcBef>
+                <a:spcPts val="0"/>
+              </a:spcBef>
+              <a:spcAft>
+                <a:spcPts val="0"/>
+              </a:spcAft>
+              <a:buSzTx/>
+              <a:buNone/>
+            </a:pPr>
+            <a:r>
+              <a:rPr lang="en-US" sz="4400" dirty="0">
+                <a:solidFill>
+                  <a:srgbClr val="0070C0"/>
+                </a:solidFill>
+              </a:rPr>
+              <a:t>http://</a:t>
+            </a:r>
+            <a:r>
+              <a:rPr lang="en-US" sz="4400" dirty="0" err="1" smtClean="0">
+                <a:solidFill>
+                  <a:srgbClr val="0070C0"/>
+                </a:solidFill>
+              </a:rPr>
+              <a:t>graphframes.github.io</a:t>
+            </a:r>
+            <a:r>
+              <a:rPr lang="en-US" sz="4400" dirty="0" smtClean="0">
+                <a:solidFill>
+                  <a:srgbClr val="0070C0"/>
+                </a:solidFill>
+              </a:rPr>
+              <a:t>/</a:t>
+            </a:r>
+            <a:r>
+              <a:rPr lang="en-US" sz="4400" dirty="0" err="1" smtClean="0">
+                <a:solidFill>
+                  <a:srgbClr val="0070C0"/>
+                </a:solidFill>
+              </a:rPr>
+              <a:t>user-guide.html#motif-finding</a:t>
+            </a:r>
+            <a:r>
+              <a:rPr lang="en-US" sz="4400" dirty="0" smtClean="0"/>
+              <a:t> </a:t>
             </a:r>
             <a:endParaRPr lang="en-US" sz="4400" dirty="0"/>
           </a:p>
